--- a/CS3210/pptx/CS3210-TL8 (Lab 4).pptx
+++ b/CS3210/pptx/CS3210-TL8 (Lab 4).pptx
@@ -1440,7 +1440,7 @@
         </p:nvSpPr>
         <p:spPr>
           <a:xfrm>
-            <a:off x="381300" y="685800"/>
+            <a:off x="381000" y="685800"/>
             <a:ext cx="6096000" cy="3429000"/>
           </a:xfrm>
           <a:custGeom>
@@ -1544,7 +1544,7 @@
         </p:nvSpPr>
         <p:spPr>
           <a:xfrm>
-            <a:off x="381300" y="685800"/>
+            <a:off x="381000" y="685800"/>
             <a:ext cx="6096000" cy="3429000"/>
           </a:xfrm>
           <a:custGeom>
@@ -1648,7 +1648,7 @@
         </p:nvSpPr>
         <p:spPr>
           <a:xfrm>
-            <a:off x="381300" y="685800"/>
+            <a:off x="381000" y="685800"/>
             <a:ext cx="6096000" cy="3429000"/>
           </a:xfrm>
           <a:custGeom>
@@ -11076,7 +11076,7 @@
             </a:pPr>
             <a:r>
               <a:rPr lang="en"/>
-              <a:t>Required by some exercises, I'll send in Telegram if it's not in your lab sheet.</a:t>
+              <a:t>Required by some exercises, sent in Telegram (might not be in your lab sheet.)</a:t>
             </a:r>
             <a:endParaRPr/>
           </a:p>
@@ -11190,7 +11190,7 @@
             </a:r>
             <a:r>
               <a:rPr lang="en"/>
-              <a:t>: 		Running MPI programs locally, “manual” MPI distribution</a:t>
+              <a:t>: 	Running MPI programs locally, “manual” MPI distribution</a:t>
             </a:r>
             <a:endParaRPr/>
           </a:p>
@@ -11211,7 +11211,7 @@
             </a:r>
             <a:r>
               <a:rPr lang="en"/>
-              <a:t>: 		Running across many nodes with Slurm</a:t>
+              <a:t>: 	Running across many nodes with Slurm</a:t>
             </a:r>
             <a:endParaRPr/>
           </a:p>
@@ -11232,7 +11232,7 @@
             </a:r>
             <a:r>
               <a:rPr lang="en"/>
-              <a:t>: 		Mapping and binding MPI processes</a:t>
+              <a:t>: 	Mapping and binding MPI processes</a:t>
             </a:r>
             <a:endParaRPr/>
           </a:p>
@@ -11274,7 +11274,7 @@
             </a:r>
             <a:r>
               <a:rPr lang="en"/>
-              <a:t>: 		Non-blocking MPI communication</a:t>
+              <a:t>: 	Non-blocking MPI communication</a:t>
             </a:r>
             <a:endParaRPr/>
           </a:p>
@@ -11505,7 +11505,19 @@
                 <a:cs typeface="Consolas"/>
                 <a:sym typeface="Consolas"/>
               </a:rPr>
-              <a:t>ssh-keygen -t rsa</a:t>
+              <a:t>ssh-keygen -t </a:t>
+            </a:r>
+            <a:r>
+              <a:rPr lang="en-SG" b="1">
+                <a:highlight>
+                  <a:srgbClr val="FFF2CC"/>
+                </a:highlight>
+                <a:latin typeface="Consolas"/>
+                <a:ea typeface="Consolas"/>
+                <a:cs typeface="Consolas"/>
+                <a:sym typeface="Consolas"/>
+              </a:rPr>
+              <a:t>ed25519</a:t>
             </a:r>
             <a:r>
               <a:rPr lang="en"/>
@@ -14193,7 +14205,7 @@
             </a:pPr>
             <a:r>
               <a:rPr lang="en"/>
-              <a:t>These are not mutually exclusive!</a:t>
+              <a:t>Bonus: These are not mutually exclusive!</a:t>
             </a:r>
             <a:endParaRPr/>
           </a:p>

--- a/CS3210/pptx/CS3210-TL8 (Lab 4).pptx
+++ b/CS3210/pptx/CS3210-TL8 (Lab 4).pptx
@@ -1232,7 +1232,7 @@
         </p:nvSpPr>
         <p:spPr>
           <a:xfrm>
-            <a:off x="381300" y="685800"/>
+            <a:off x="381000" y="685800"/>
             <a:ext cx="6096000" cy="3429000"/>
           </a:xfrm>
           <a:custGeom>
@@ -10724,7 +10724,7 @@
                   <a:srgbClr val="CC0000"/>
                 </a:solidFill>
               </a:rPr>
-              <a:t> is considered </a:t>
+              <a:t> is </a:t>
             </a:r>
             <a:r>
               <a:rPr lang="en" u="sng">
@@ -10732,7 +10732,23 @@
                   <a:srgbClr val="CC0000"/>
                 </a:solidFill>
               </a:rPr>
-              <a:t>undefined behaviour</a:t>
+              <a:t>not defined in t</a:t>
+            </a:r>
+            <a:r>
+              <a:rPr lang="en-SG" u="sng">
+                <a:solidFill>
+                  <a:srgbClr val="CC0000"/>
+                </a:solidFill>
+              </a:rPr>
+              <a:t>h</a:t>
+            </a:r>
+            <a:r>
+              <a:rPr lang="en" u="sng">
+                <a:solidFill>
+                  <a:srgbClr val="CC0000"/>
+                </a:solidFill>
+              </a:rPr>
+              <a:t>e MPI standard</a:t>
             </a:r>
             <a:r>
               <a:rPr lang="en">
@@ -10740,7 +10756,7 @@
                   <a:srgbClr val="CC0000"/>
                 </a:solidFill>
               </a:rPr>
-              <a:t> in a MPI program.</a:t>
+              <a:t>.</a:t>
             </a:r>
             <a:endParaRPr>
               <a:solidFill>
@@ -17067,7 +17083,7 @@
                 <a:cs typeface="Consolas"/>
                 <a:sym typeface="Consolas"/>
               </a:rPr>
-              <a:t>salloc -n 105 -N 3 --oversubscribe mpirun ./hello</a:t>
+              <a:t>salloc -n 105 -N 3 --overcommit mpirun ./hello</a:t>
             </a:r>
             <a:endParaRPr b="1">
               <a:highlight>
